--- a/assets/document/신분당선 출입관리시스템, 문서보안시스템 개발.pptx
+++ b/assets/document/신분당선 출입관리시스템, 문서보안시스템 개발.pptx
@@ -104,6 +104,11 @@
       </a:defRPr>
     </a:lvl9pPr>
   </p:defaultTextStyle>
+  <p:extLst>
+    <p:ext uri="{EFAFB233-063F-42B5-8137-9DF3F51BA10A}">
+      <p15:sldGuideLst xmlns:p15="http://schemas.microsoft.com/office/powerpoint/2012/main"/>
+    </p:ext>
+  </p:extLst>
 </p:presentation>
 </file>
 
@@ -1173,8 +1178,8 @@
     <dgm:cxn modelId="{B6C28F7B-7C6D-41FC-8D2F-D2E4BEDBA322}" type="presOf" srcId="{0EAB6EF5-916A-4172-97EC-E6698D1DABF1}" destId="{7EA3D26E-72B5-4E44-A00F-960298541644}" srcOrd="0" destOrd="0" presId="urn:microsoft.com/office/officeart/2005/8/layout/process1"/>
     <dgm:cxn modelId="{4D251C44-FF61-45E4-A95F-0949894A3CD4}" type="presOf" srcId="{F8BE8DBF-5E2C-48B0-807F-50BDB0EEED69}" destId="{8BCD91F5-A384-4249-AAAA-9A653DD8240B}" srcOrd="0" destOrd="0" presId="urn:microsoft.com/office/officeart/2005/8/layout/process1"/>
     <dgm:cxn modelId="{9BEAC59D-4E51-45ED-A47D-7DC1251C2616}" type="presOf" srcId="{E59937C8-867B-456D-9064-791F4F00288A}" destId="{FEA3E76E-0F39-4BD0-B44E-439E4B6EE86A}" srcOrd="0" destOrd="0" presId="urn:microsoft.com/office/officeart/2005/8/layout/process1"/>
+    <dgm:cxn modelId="{78768A60-B3A5-40BC-8BBE-40FAB01DC4FF}" type="presOf" srcId="{F8BE8DBF-5E2C-48B0-807F-50BDB0EEED69}" destId="{348656F9-EDF0-481C-A54D-1BAA998503F7}" srcOrd="1" destOrd="0" presId="urn:microsoft.com/office/officeart/2005/8/layout/process1"/>
     <dgm:cxn modelId="{599AB459-2C0E-45FA-8D1D-9E9477E1E07C}" type="presOf" srcId="{08AC5ACD-F7CD-4C2C-AA8D-775F1A77F672}" destId="{1B474A97-B5F0-4C13-90AA-FC97C9B78842}" srcOrd="1" destOrd="0" presId="urn:microsoft.com/office/officeart/2005/8/layout/process1"/>
-    <dgm:cxn modelId="{78768A60-B3A5-40BC-8BBE-40FAB01DC4FF}" type="presOf" srcId="{F8BE8DBF-5E2C-48B0-807F-50BDB0EEED69}" destId="{348656F9-EDF0-481C-A54D-1BAA998503F7}" srcOrd="1" destOrd="0" presId="urn:microsoft.com/office/officeart/2005/8/layout/process1"/>
     <dgm:cxn modelId="{EE55B389-F259-4038-9CA6-312CB3846452}" type="presOf" srcId="{B1B4E03A-519F-438B-B4B2-3E205F32CC11}" destId="{E23BC6B9-E72F-4F2F-8993-1D7BA753C37F}" srcOrd="0" destOrd="0" presId="urn:microsoft.com/office/officeart/2005/8/layout/process1"/>
     <dgm:cxn modelId="{035CC471-E0FC-4053-B3A7-FE30DA94B505}" type="presOf" srcId="{148E0C7B-D659-4513-BBA2-930C0B29A958}" destId="{BF0E7204-2A29-435E-A4BC-166A67F1A556}" srcOrd="0" destOrd="0" presId="urn:microsoft.com/office/officeart/2005/8/layout/process1"/>
     <dgm:cxn modelId="{6291B1F1-C567-4C8D-B743-69D22A5B2F0A}" srcId="{E59937C8-867B-456D-9064-791F4F00288A}" destId="{470BED57-4371-4EFB-A087-0DD8E1AF50AA}" srcOrd="2" destOrd="0" parTransId="{725C3FD5-BF00-418B-90F6-3D9DDD17237F}" sibTransId="{A9BD8EE9-6D96-4933-87D0-310BC9A3BD51}"/>
@@ -3064,7 +3069,6 @@
               <a:rPr lang="ko-KR" altLang="en-US"/>
               <a:t>마스터 제목 스타일 편집</a:t>
             </a:r>
-            <a:endParaRPr lang="ko-KR" altLang="en-US"/>
           </a:p>
         </p:txBody>
       </p:sp>
@@ -3129,7 +3133,6 @@
               <a:rPr lang="ko-KR" altLang="en-US"/>
               <a:t>클릭하여 마스터 부제목 스타일 편집</a:t>
             </a:r>
-            <a:endParaRPr lang="ko-KR" altLang="en-US"/>
           </a:p>
         </p:txBody>
       </p:sp>
@@ -3247,7 +3250,6 @@
               <a:rPr lang="ko-KR" altLang="en-US"/>
               <a:t>마스터 제목 스타일 편집</a:t>
             </a:r>
-            <a:endParaRPr lang="ko-KR" altLang="en-US"/>
           </a:p>
         </p:txBody>
       </p:sp>
@@ -3299,7 +3301,6 @@
               <a:rPr lang="ko-KR" altLang="en-US"/>
               <a:t>다섯째 수준</a:t>
             </a:r>
-            <a:endParaRPr lang="ko-KR" altLang="en-US"/>
           </a:p>
         </p:txBody>
       </p:sp>
@@ -3422,7 +3423,6 @@
               <a:rPr lang="ko-KR" altLang="en-US"/>
               <a:t>마스터 제목 스타일 편집</a:t>
             </a:r>
-            <a:endParaRPr lang="ko-KR" altLang="en-US"/>
           </a:p>
         </p:txBody>
       </p:sp>
@@ -3479,7 +3479,6 @@
               <a:rPr lang="ko-KR" altLang="en-US"/>
               <a:t>다섯째 수준</a:t>
             </a:r>
-            <a:endParaRPr lang="ko-KR" altLang="en-US"/>
           </a:p>
         </p:txBody>
       </p:sp>
@@ -3597,7 +3596,6 @@
               <a:rPr lang="ko-KR" altLang="en-US"/>
               <a:t>마스터 제목 스타일 편집</a:t>
             </a:r>
-            <a:endParaRPr lang="ko-KR" altLang="en-US"/>
           </a:p>
         </p:txBody>
       </p:sp>
@@ -3649,7 +3647,6 @@
               <a:rPr lang="ko-KR" altLang="en-US"/>
               <a:t>다섯째 수준</a:t>
             </a:r>
-            <a:endParaRPr lang="ko-KR" altLang="en-US"/>
           </a:p>
         </p:txBody>
       </p:sp>
@@ -3776,7 +3773,6 @@
               <a:rPr lang="ko-KR" altLang="en-US"/>
               <a:t>마스터 제목 스타일 편집</a:t>
             </a:r>
-            <a:endParaRPr lang="ko-KR" altLang="en-US"/>
           </a:p>
         </p:txBody>
       </p:sp>
@@ -4013,7 +4009,6 @@
               <a:rPr lang="ko-KR" altLang="en-US"/>
               <a:t>마스터 제목 스타일 편집</a:t>
             </a:r>
-            <a:endParaRPr lang="ko-KR" altLang="en-US"/>
           </a:p>
         </p:txBody>
       </p:sp>
@@ -4070,7 +4065,6 @@
               <a:rPr lang="ko-KR" altLang="en-US"/>
               <a:t>다섯째 수준</a:t>
             </a:r>
-            <a:endParaRPr lang="ko-KR" altLang="en-US"/>
           </a:p>
         </p:txBody>
       </p:sp>
@@ -4127,7 +4121,6 @@
               <a:rPr lang="ko-KR" altLang="en-US"/>
               <a:t>다섯째 수준</a:t>
             </a:r>
-            <a:endParaRPr lang="ko-KR" altLang="en-US"/>
           </a:p>
         </p:txBody>
       </p:sp>
@@ -4250,7 +4243,6 @@
               <a:rPr lang="ko-KR" altLang="en-US"/>
               <a:t>마스터 제목 스타일 편집</a:t>
             </a:r>
-            <a:endParaRPr lang="ko-KR" altLang="en-US"/>
           </a:p>
         </p:txBody>
       </p:sp>
@@ -4372,7 +4364,6 @@
               <a:rPr lang="ko-KR" altLang="en-US"/>
               <a:t>다섯째 수준</a:t>
             </a:r>
-            <a:endParaRPr lang="ko-KR" altLang="en-US"/>
           </a:p>
         </p:txBody>
       </p:sp>
@@ -4494,7 +4485,6 @@
               <a:rPr lang="ko-KR" altLang="en-US"/>
               <a:t>다섯째 수준</a:t>
             </a:r>
-            <a:endParaRPr lang="ko-KR" altLang="en-US"/>
           </a:p>
         </p:txBody>
       </p:sp>
@@ -4612,7 +4602,6 @@
               <a:rPr lang="ko-KR" altLang="en-US"/>
               <a:t>마스터 제목 스타일 편집</a:t>
             </a:r>
-            <a:endParaRPr lang="ko-KR" altLang="en-US"/>
           </a:p>
         </p:txBody>
       </p:sp>
@@ -4834,7 +4823,6 @@
               <a:rPr lang="ko-KR" altLang="en-US"/>
               <a:t>마스터 제목 스타일 편집</a:t>
             </a:r>
-            <a:endParaRPr lang="ko-KR" altLang="en-US"/>
           </a:p>
         </p:txBody>
       </p:sp>
@@ -4919,7 +4907,6 @@
               <a:rPr lang="ko-KR" altLang="en-US"/>
               <a:t>다섯째 수준</a:t>
             </a:r>
-            <a:endParaRPr lang="ko-KR" altLang="en-US"/>
           </a:p>
         </p:txBody>
       </p:sp>
@@ -5111,7 +5098,6 @@
               <a:rPr lang="ko-KR" altLang="en-US"/>
               <a:t>마스터 제목 스타일 편집</a:t>
             </a:r>
-            <a:endParaRPr lang="ko-KR" altLang="en-US"/>
           </a:p>
         </p:txBody>
       </p:sp>
@@ -5370,7 +5356,6 @@
               <a:rPr lang="ko-KR" altLang="en-US"/>
               <a:t>마스터 제목 스타일 편집</a:t>
             </a:r>
-            <a:endParaRPr lang="ko-KR" altLang="en-US"/>
           </a:p>
         </p:txBody>
       </p:sp>
@@ -5432,7 +5417,6 @@
               <a:rPr lang="ko-KR" altLang="en-US"/>
               <a:t>다섯째 수준</a:t>
             </a:r>
-            <a:endParaRPr lang="ko-KR" altLang="en-US"/>
           </a:p>
         </p:txBody>
       </p:sp>
@@ -6320,7 +6304,7 @@
         <p:spPr>
           <a:xfrm>
             <a:off x="2511164" y="3053196"/>
-            <a:ext cx="3948480" cy="830997"/>
+            <a:ext cx="3948480" cy="646331"/>
           </a:xfrm>
           <a:prstGeom prst="rect">
             <a:avLst/>
@@ -6337,37 +6321,44 @@
               <a:buChar char="-"/>
             </a:pPr>
             <a:r>
-              <a:rPr lang="en-US" altLang="ko-KR" sz="1200" b="1" dirty="0">
+              <a:rPr lang="ko-KR" altLang="en-US" sz="1200" b="1" dirty="0">
                 <a:solidFill>
-                  <a:schemeClr val="tx1">
-                    <a:lumMod val="50000"/>
-                    <a:lumOff val="50000"/>
+                  <a:schemeClr val="accent1">
+                    <a:lumMod val="75000"/>
                   </a:schemeClr>
                 </a:solidFill>
               </a:rPr>
-              <a:t>.NET </a:t>
-            </a:r>
-            <a:r>
-              <a:rPr lang="ko-KR" altLang="en-US" sz="1200" b="1" dirty="0">
+              <a:t>출입관리정보 관리기능 개발</a:t>
+            </a:r>
+            <a:r>
+              <a:rPr lang="en-US" altLang="ko-KR" sz="1200" b="1" dirty="0">
                 <a:solidFill>
-                  <a:schemeClr val="tx1">
-                    <a:lumMod val="50000"/>
-                    <a:lumOff val="50000"/>
+                  <a:schemeClr val="accent1">
+                    <a:lumMod val="75000"/>
                   </a:schemeClr>
                 </a:solidFill>
               </a:rPr>
-              <a:t>이용 출입관리정보 관리기능 개발</a:t>
-            </a:r>
-            <a:r>
-              <a:rPr lang="en-US" altLang="ko-KR" sz="1200" b="1" dirty="0">
+              <a:t>. (.NET </a:t>
+            </a:r>
+            <a:r>
+              <a:rPr lang="en-US" altLang="ko-KR" sz="1200" b="1" dirty="0" err="1">
                 <a:solidFill>
-                  <a:schemeClr val="tx1">
-                    <a:lumMod val="50000"/>
-                    <a:lumOff val="50000"/>
+                  <a:schemeClr val="accent1">
+                    <a:lumMod val="75000"/>
                   </a:schemeClr>
                 </a:solidFill>
               </a:rPr>
-              <a:t>. (.NET)</a:t>
+              <a:t>WebForm</a:t>
+            </a:r>
+            <a:r>
+              <a:rPr lang="en-US" altLang="ko-KR" sz="1200" b="1" dirty="0">
+                <a:solidFill>
+                  <a:schemeClr val="accent1">
+                    <a:lumMod val="75000"/>
+                  </a:schemeClr>
+                </a:solidFill>
+              </a:rPr>
+              <a:t>)</a:t>
             </a:r>
           </a:p>
           <a:p>
@@ -6376,37 +6367,44 @@
               <a:buChar char="-"/>
             </a:pPr>
             <a:r>
-              <a:rPr lang="en-US" altLang="ko-KR" sz="1200" b="1" dirty="0">
+              <a:rPr lang="ko-KR" altLang="en-US" sz="1200" b="1" dirty="0">
                 <a:solidFill>
-                  <a:schemeClr val="tx1">
-                    <a:lumMod val="50000"/>
-                    <a:lumOff val="50000"/>
+                  <a:schemeClr val="accent1">
+                    <a:lumMod val="75000"/>
                   </a:schemeClr>
                 </a:solidFill>
               </a:rPr>
-              <a:t>SMTP</a:t>
-            </a:r>
-            <a:r>
-              <a:rPr lang="ko-KR" altLang="en-US" sz="1200" b="1" dirty="0">
+              <a:t>담당자 </a:t>
+            </a:r>
+            <a:r>
+              <a:rPr lang="ko-KR" altLang="en-US" sz="1200" b="1" dirty="0" err="1">
                 <a:solidFill>
-                  <a:schemeClr val="tx1">
-                    <a:lumMod val="50000"/>
-                    <a:lumOff val="50000"/>
+                  <a:schemeClr val="accent1">
+                    <a:lumMod val="75000"/>
                   </a:schemeClr>
                 </a:solidFill>
               </a:rPr>
-              <a:t>를 통한 담당자 메일 알림</a:t>
-            </a:r>
-            <a:r>
-              <a:rPr lang="en-US" altLang="ko-KR" sz="1200" b="1" dirty="0">
+              <a:t>메일알림</a:t>
+            </a:r>
+            <a:r>
+              <a:rPr lang="ko-KR" altLang="en-US" sz="1200" b="1" dirty="0">
                 <a:solidFill>
-                  <a:schemeClr val="tx1">
-                    <a:lumMod val="50000"/>
-                    <a:lumOff val="50000"/>
+                  <a:schemeClr val="accent1">
+                    <a:lumMod val="75000"/>
                   </a:schemeClr>
                 </a:solidFill>
               </a:rPr>
-              <a:t>. (.NET)</a:t>
+              <a:t> 기능 개발</a:t>
+            </a:r>
+            <a:r>
+              <a:rPr lang="en-US" altLang="ko-KR" sz="1200" b="1" dirty="0">
+                <a:solidFill>
+                  <a:schemeClr val="accent1">
+                    <a:lumMod val="75000"/>
+                  </a:schemeClr>
+                </a:solidFill>
+              </a:rPr>
+              <a:t> (SMTP)</a:t>
             </a:r>
           </a:p>
           <a:p>
@@ -6417,9 +6415,8 @@
             <a:r>
               <a:rPr lang="en-US" altLang="ko-KR" sz="1200" b="1" dirty="0">
                 <a:solidFill>
-                  <a:schemeClr val="tx1">
-                    <a:lumMod val="50000"/>
-                    <a:lumOff val="50000"/>
+                  <a:schemeClr val="accent1">
+                    <a:lumMod val="75000"/>
                   </a:schemeClr>
                 </a:solidFill>
               </a:rPr>
@@ -6428,70 +6425,8 @@
             <a:r>
               <a:rPr lang="ko-KR" altLang="en-US" sz="1200" b="1" dirty="0">
                 <a:solidFill>
-                  <a:schemeClr val="tx1">
-                    <a:lumMod val="50000"/>
-                    <a:lumOff val="50000"/>
-                  </a:schemeClr>
-                </a:solidFill>
-              </a:rPr>
-              <a:t>정보 </a:t>
-            </a:r>
-            <a:r>
-              <a:rPr lang="ko-KR" altLang="en-US" sz="1200" b="1" dirty="0" err="1">
-                <a:solidFill>
-                  <a:schemeClr val="tx1">
-                    <a:lumMod val="50000"/>
-                    <a:lumOff val="50000"/>
-                  </a:schemeClr>
-                </a:solidFill>
-              </a:rPr>
-              <a:t>저장및</a:t>
-            </a:r>
-            <a:r>
-              <a:rPr lang="ko-KR" altLang="en-US" sz="1200" b="1" dirty="0">
-                <a:solidFill>
-                  <a:schemeClr val="tx1">
-                    <a:lumMod val="50000"/>
-                    <a:lumOff val="50000"/>
-                  </a:schemeClr>
-                </a:solidFill>
-              </a:rPr>
-              <a:t> 수정 가능</a:t>
-            </a:r>
-            <a:r>
-              <a:rPr lang="en-US" altLang="ko-KR" sz="1200" b="1" dirty="0">
-                <a:solidFill>
-                  <a:schemeClr val="tx1">
-                    <a:lumMod val="50000"/>
-                    <a:lumOff val="50000"/>
-                  </a:schemeClr>
-                </a:solidFill>
-              </a:rPr>
-              <a:t>. (.NET)</a:t>
-            </a:r>
-          </a:p>
-          <a:p>
-            <a:pPr marL="171450" indent="-171450">
-              <a:buFontTx/>
-              <a:buChar char="-"/>
-            </a:pPr>
-            <a:r>
-              <a:rPr lang="en-US" altLang="ko-KR" sz="1200" b="1" dirty="0">
-                <a:solidFill>
-                  <a:schemeClr val="tx1">
-                    <a:lumMod val="50000"/>
-                    <a:lumOff val="50000"/>
-                  </a:schemeClr>
-                </a:solidFill>
-              </a:rPr>
-              <a:t>DB</a:t>
-            </a:r>
-            <a:r>
-              <a:rPr lang="ko-KR" altLang="en-US" sz="1200" b="1" dirty="0">
-                <a:solidFill>
-                  <a:schemeClr val="tx1">
-                    <a:lumMod val="50000"/>
-                    <a:lumOff val="50000"/>
+                  <a:schemeClr val="accent1">
+                    <a:lumMod val="75000"/>
                   </a:schemeClr>
                 </a:solidFill>
               </a:rPr>
@@ -6500,13 +6435,12 @@
             <a:r>
               <a:rPr lang="en-US" altLang="ko-KR" sz="1200" b="1" dirty="0">
                 <a:solidFill>
-                  <a:schemeClr val="tx1">
-                    <a:lumMod val="50000"/>
-                    <a:lumOff val="50000"/>
+                  <a:schemeClr val="accent1">
+                    <a:lumMod val="75000"/>
                   </a:schemeClr>
                 </a:solidFill>
               </a:rPr>
-              <a:t>. (.NET)</a:t>
+              <a:t>. (ADO.NET)</a:t>
             </a:r>
           </a:p>
         </p:txBody>
@@ -7217,10 +7151,7 @@
             <a:r>
               <a:rPr lang="en-US" altLang="ko-KR" sz="1200" b="1" dirty="0">
                 <a:solidFill>
-                  <a:schemeClr val="tx1">
-                    <a:lumMod val="50000"/>
-                    <a:lumOff val="50000"/>
-                  </a:schemeClr>
+                  <a:srgbClr val="00B050"/>
                 </a:solidFill>
               </a:rPr>
               <a:t>CK Editor </a:t>
@@ -7228,10 +7159,7 @@
             <a:r>
               <a:rPr lang="ko-KR" altLang="en-US" sz="1200" b="1" dirty="0">
                 <a:solidFill>
-                  <a:schemeClr val="tx1">
-                    <a:lumMod val="50000"/>
-                    <a:lumOff val="50000"/>
-                  </a:schemeClr>
+                  <a:srgbClr val="00B050"/>
                 </a:solidFill>
               </a:rPr>
               <a:t>기능 변경 </a:t>
@@ -7239,10 +7167,7 @@
             <a:r>
               <a:rPr lang="en-US" altLang="ko-KR" sz="1200" b="1" dirty="0">
                 <a:solidFill>
-                  <a:schemeClr val="tx1">
-                    <a:lumMod val="50000"/>
-                    <a:lumOff val="50000"/>
-                  </a:schemeClr>
+                  <a:srgbClr val="00B050"/>
                 </a:solidFill>
               </a:rPr>
               <a:t>(</a:t>
@@ -7250,10 +7175,7 @@
             <a:r>
               <a:rPr lang="ko-KR" altLang="en-US" sz="1200" b="1" dirty="0">
                 <a:solidFill>
-                  <a:schemeClr val="tx1">
-                    <a:lumMod val="50000"/>
-                    <a:lumOff val="50000"/>
-                  </a:schemeClr>
+                  <a:srgbClr val="00B050"/>
                 </a:solidFill>
               </a:rPr>
               <a:t>보안등급 세팅</a:t>
@@ -7261,10 +7183,7 @@
             <a:r>
               <a:rPr lang="en-US" altLang="ko-KR" sz="1200" b="1" dirty="0">
                 <a:solidFill>
-                  <a:schemeClr val="tx1">
-                    <a:lumMod val="50000"/>
-                    <a:lumOff val="50000"/>
-                  </a:schemeClr>
+                  <a:srgbClr val="00B050"/>
                 </a:solidFill>
               </a:rPr>
               <a:t>, .NET)</a:t>
@@ -7278,10 +7197,7 @@
             <a:r>
               <a:rPr lang="ko-KR" altLang="en-US" sz="1200" b="1" dirty="0">
                 <a:solidFill>
-                  <a:schemeClr val="tx1">
-                    <a:lumMod val="50000"/>
-                    <a:lumOff val="50000"/>
-                  </a:schemeClr>
+                  <a:srgbClr val="00B050"/>
                 </a:solidFill>
               </a:rPr>
               <a:t>문서 </a:t>
@@ -7289,10 +7205,7 @@
             <a:r>
               <a:rPr lang="en-US" altLang="ko-KR" sz="1200" b="1" dirty="0">
                 <a:solidFill>
-                  <a:schemeClr val="tx1">
-                    <a:lumMod val="50000"/>
-                    <a:lumOff val="50000"/>
-                  </a:schemeClr>
+                  <a:srgbClr val="00B050"/>
                 </a:solidFill>
               </a:rPr>
               <a:t>(HWP) </a:t>
@@ -7300,10 +7213,7 @@
             <a:r>
               <a:rPr lang="ko-KR" altLang="en-US" sz="1200" b="1" dirty="0">
                 <a:solidFill>
-                  <a:schemeClr val="tx1">
-                    <a:lumMod val="50000"/>
-                    <a:lumOff val="50000"/>
-                  </a:schemeClr>
+                  <a:srgbClr val="00B050"/>
                 </a:solidFill>
               </a:rPr>
               <a:t>컨트롤 기능 추가</a:t>
@@ -7311,10 +7221,7 @@
             <a:r>
               <a:rPr lang="en-US" altLang="ko-KR" sz="1200" b="1" dirty="0">
                 <a:solidFill>
-                  <a:schemeClr val="tx1">
-                    <a:lumMod val="50000"/>
-                    <a:lumOff val="50000"/>
-                  </a:schemeClr>
+                  <a:srgbClr val="00B050"/>
                 </a:solidFill>
               </a:rPr>
               <a:t>. (HWP </a:t>
@@ -7322,10 +7229,7 @@
             <a:r>
               <a:rPr lang="en-US" altLang="ko-KR" sz="1200" b="1" dirty="0" err="1">
                 <a:solidFill>
-                  <a:schemeClr val="tx1">
-                    <a:lumMod val="50000"/>
-                    <a:lumOff val="50000"/>
-                  </a:schemeClr>
+                  <a:srgbClr val="00B050"/>
                 </a:solidFill>
               </a:rPr>
               <a:t>Controll</a:t>
@@ -7333,10 +7237,7 @@
             <a:r>
               <a:rPr lang="en-US" altLang="ko-KR" sz="1200" b="1" dirty="0">
                 <a:solidFill>
-                  <a:schemeClr val="tx1">
-                    <a:lumMod val="50000"/>
-                    <a:lumOff val="50000"/>
-                  </a:schemeClr>
+                  <a:srgbClr val="00B050"/>
                 </a:solidFill>
               </a:rPr>
               <a:t> API)</a:t>
@@ -7350,10 +7251,7 @@
             <a:r>
               <a:rPr lang="en-US" altLang="ko-KR" sz="1200" b="1" dirty="0">
                 <a:solidFill>
-                  <a:schemeClr val="tx1">
-                    <a:lumMod val="50000"/>
-                    <a:lumOff val="50000"/>
-                  </a:schemeClr>
+                  <a:srgbClr val="00B050"/>
                 </a:solidFill>
               </a:rPr>
               <a:t>Viewer </a:t>
@@ -7361,10 +7259,7 @@
             <a:r>
               <a:rPr lang="ko-KR" altLang="en-US" sz="1200" b="1" dirty="0">
                 <a:solidFill>
-                  <a:schemeClr val="tx1">
-                    <a:lumMod val="50000"/>
-                    <a:lumOff val="50000"/>
-                  </a:schemeClr>
+                  <a:srgbClr val="00B050"/>
                 </a:solidFill>
               </a:rPr>
               <a:t>페이지 추가</a:t>
@@ -7372,13 +7267,26 @@
             <a:r>
               <a:rPr lang="en-US" altLang="ko-KR" sz="1200" b="1" dirty="0">
                 <a:solidFill>
-                  <a:schemeClr val="tx1">
-                    <a:lumMod val="50000"/>
-                    <a:lumOff val="50000"/>
-                  </a:schemeClr>
+                  <a:srgbClr val="00B050"/>
                 </a:solidFill>
               </a:rPr>
-              <a:t>. (.NET/JavaScript/Html)</a:t>
+              <a:t>. (.NET </a:t>
+            </a:r>
+            <a:r>
+              <a:rPr lang="en-US" altLang="ko-KR" sz="1200" b="1" dirty="0" err="1">
+                <a:solidFill>
+                  <a:srgbClr val="00B050"/>
+                </a:solidFill>
+              </a:rPr>
+              <a:t>WebForm</a:t>
+            </a:r>
+            <a:r>
+              <a:rPr lang="en-US" altLang="ko-KR" sz="1200" b="1" dirty="0">
+                <a:solidFill>
+                  <a:srgbClr val="00B050"/>
+                </a:solidFill>
+              </a:rPr>
+              <a:t>)</a:t>
             </a:r>
           </a:p>
           <a:p>
@@ -7389,10 +7297,7 @@
             <a:r>
               <a:rPr lang="en-US" altLang="ko-KR" sz="1200" b="1" dirty="0">
                 <a:solidFill>
-                  <a:schemeClr val="tx1">
-                    <a:lumMod val="50000"/>
-                    <a:lumOff val="50000"/>
-                  </a:schemeClr>
+                  <a:srgbClr val="00B050"/>
                 </a:solidFill>
               </a:rPr>
               <a:t>DB </a:t>
@@ -7400,10 +7305,7 @@
             <a:r>
               <a:rPr lang="ko-KR" altLang="en-US" sz="1200" b="1" dirty="0">
                 <a:solidFill>
-                  <a:schemeClr val="tx1">
-                    <a:lumMod val="50000"/>
-                    <a:lumOff val="50000"/>
-                  </a:schemeClr>
+                  <a:srgbClr val="00B050"/>
                 </a:solidFill>
               </a:rPr>
               <a:t>검색 및 통계기능 추가</a:t>
@@ -7411,13 +7313,10 @@
             <a:r>
               <a:rPr lang="en-US" altLang="ko-KR" sz="1200" b="1" dirty="0">
                 <a:solidFill>
-                  <a:schemeClr val="tx1">
-                    <a:lumMod val="50000"/>
-                    <a:lumOff val="50000"/>
-                  </a:schemeClr>
+                  <a:srgbClr val="00B050"/>
                 </a:solidFill>
               </a:rPr>
-              <a:t>. (DB Proc, ADO.NET)</a:t>
+              <a:t>. (ADO.NET)</a:t>
             </a:r>
           </a:p>
         </p:txBody>
@@ -7431,7 +7330,7 @@
         <p:spPr>
           <a:xfrm>
             <a:off x="306687" y="5706181"/>
-            <a:ext cx="7045518" cy="646331"/>
+            <a:ext cx="6317755" cy="584775"/>
           </a:xfrm>
           <a:prstGeom prst="rect">
             <a:avLst/>
@@ -7448,19 +7347,19 @@
               <a:buAutoNum type="arabicPeriod"/>
             </a:pPr>
             <a:r>
-              <a:rPr lang="ko-KR" altLang="en-US" dirty="0"/>
+              <a:rPr lang="ko-KR" altLang="en-US" sz="1600" dirty="0"/>
               <a:t>담당자 </a:t>
             </a:r>
             <a:r>
-              <a:rPr lang="en-US" altLang="ko-KR" dirty="0"/>
+              <a:rPr lang="en-US" altLang="ko-KR" sz="1600" dirty="0"/>
               <a:t>&lt;-&gt; </a:t>
             </a:r>
             <a:r>
-              <a:rPr lang="ko-KR" altLang="en-US" dirty="0"/>
+              <a:rPr lang="ko-KR" altLang="en-US" sz="1600" dirty="0"/>
               <a:t>방문자 간 일정 관리 가능한 출입관리 시스템 개발</a:t>
             </a:r>
             <a:r>
-              <a:rPr lang="en-US" altLang="ko-KR" dirty="0"/>
+              <a:rPr lang="en-US" altLang="ko-KR" sz="1600" dirty="0"/>
               <a:t>.</a:t>
             </a:r>
           </a:p>
@@ -7469,14 +7368,14 @@
               <a:buAutoNum type="arabicPeriod"/>
             </a:pPr>
             <a:r>
-              <a:rPr lang="ko-KR" altLang="en-US" dirty="0"/>
+              <a:rPr lang="ko-KR" altLang="en-US" sz="1600" dirty="0"/>
               <a:t>직급에 따른 문서 조회 가능한 문서 보안 시스템 개발</a:t>
             </a:r>
             <a:r>
-              <a:rPr lang="en-US" altLang="ko-KR" dirty="0"/>
+              <a:rPr lang="en-US" altLang="ko-KR" sz="1600" dirty="0"/>
               <a:t>.</a:t>
             </a:r>
-            <a:endParaRPr lang="ko-KR" altLang="en-US" dirty="0"/>
+            <a:endParaRPr lang="ko-KR" altLang="en-US" sz="1600" dirty="0"/>
           </a:p>
         </p:txBody>
       </p:sp>

--- a/assets/document/신분당선 출입관리시스템, 문서보안시스템 개발.pptx
+++ b/assets/document/신분당선 출입관리시스템, 문서보안시스템 개발.pptx
@@ -6338,27 +6338,7 @@
                   </a:schemeClr>
                 </a:solidFill>
               </a:rPr>
-              <a:t>. (.NET </a:t>
-            </a:r>
-            <a:r>
-              <a:rPr lang="en-US" altLang="ko-KR" sz="1200" b="1" dirty="0" err="1">
-                <a:solidFill>
-                  <a:schemeClr val="accent1">
-                    <a:lumMod val="75000"/>
-                  </a:schemeClr>
-                </a:solidFill>
-              </a:rPr>
-              <a:t>WebForm</a:t>
-            </a:r>
-            <a:r>
-              <a:rPr lang="en-US" altLang="ko-KR" sz="1200" b="1" dirty="0">
-                <a:solidFill>
-                  <a:schemeClr val="accent1">
-                    <a:lumMod val="75000"/>
-                  </a:schemeClr>
-                </a:solidFill>
-              </a:rPr>
-              <a:t>)</a:t>
+              <a:t>. (.NET Web Form)</a:t>
             </a:r>
           </a:p>
           <a:p>
@@ -6374,27 +6354,7 @@
                   </a:schemeClr>
                 </a:solidFill>
               </a:rPr>
-              <a:t>담당자 </a:t>
-            </a:r>
-            <a:r>
-              <a:rPr lang="ko-KR" altLang="en-US" sz="1200" b="1" dirty="0" err="1">
-                <a:solidFill>
-                  <a:schemeClr val="accent1">
-                    <a:lumMod val="75000"/>
-                  </a:schemeClr>
-                </a:solidFill>
-              </a:rPr>
-              <a:t>메일알림</a:t>
-            </a:r>
-            <a:r>
-              <a:rPr lang="ko-KR" altLang="en-US" sz="1200" b="1" dirty="0">
-                <a:solidFill>
-                  <a:schemeClr val="accent1">
-                    <a:lumMod val="75000"/>
-                  </a:schemeClr>
-                </a:solidFill>
-              </a:rPr>
-              <a:t> 기능 개발</a:t>
+              <a:t>담당자 메일 알림 기능 개발</a:t>
             </a:r>
             <a:r>
               <a:rPr lang="en-US" altLang="ko-KR" sz="1200" b="1" dirty="0">
@@ -7224,23 +7184,7 @@
                   <a:srgbClr val="00B050"/>
                 </a:solidFill>
               </a:rPr>
-              <a:t>. (HWP </a:t>
-            </a:r>
-            <a:r>
-              <a:rPr lang="en-US" altLang="ko-KR" sz="1200" b="1" dirty="0" err="1">
-                <a:solidFill>
-                  <a:srgbClr val="00B050"/>
-                </a:solidFill>
-              </a:rPr>
-              <a:t>Controll</a:t>
-            </a:r>
-            <a:r>
-              <a:rPr lang="en-US" altLang="ko-KR" sz="1200" b="1" dirty="0">
-                <a:solidFill>
-                  <a:srgbClr val="00B050"/>
-                </a:solidFill>
-              </a:rPr>
-              <a:t> API)</a:t>
+              <a:t>. (HWP CTRL API)</a:t>
             </a:r>
           </a:p>
           <a:p>
@@ -7270,23 +7214,7 @@
                   <a:srgbClr val="00B050"/>
                 </a:solidFill>
               </a:rPr>
-              <a:t>. (.NET </a:t>
-            </a:r>
-            <a:r>
-              <a:rPr lang="en-US" altLang="ko-KR" sz="1200" b="1" dirty="0" err="1">
-                <a:solidFill>
-                  <a:srgbClr val="00B050"/>
-                </a:solidFill>
-              </a:rPr>
-              <a:t>WebForm</a:t>
-            </a:r>
-            <a:r>
-              <a:rPr lang="en-US" altLang="ko-KR" sz="1200" b="1" dirty="0">
-                <a:solidFill>
-                  <a:srgbClr val="00B050"/>
-                </a:solidFill>
-              </a:rPr>
-              <a:t>)</a:t>
+              <a:t>. (.NET Web Form)</a:t>
             </a:r>
           </a:p>
           <a:p>
